--- a/docs/deployment_guide/images/nvidia-chem-architecture-diagram.pptx
+++ b/docs/deployment_guide/images/nvidia-chem-architecture-diagram.pptx
@@ -3511,7 +3511,7 @@
         <p:spPr>
           <a:xfrm>
             <a:off x="84881" y="92597"/>
-            <a:ext cx="12022238" cy="6678592"/>
+            <a:ext cx="11297494" cy="6151582"/>
           </a:xfrm>
           <a:prstGeom prst="rect">
             <a:avLst/>
@@ -3594,7 +3594,7 @@
         </p:blipFill>
         <p:spPr>
           <a:xfrm>
-            <a:off x="84881" y="86811"/>
+            <a:off x="84881" y="92597"/>
             <a:ext cx="381000" cy="381000"/>
           </a:xfrm>
           <a:prstGeom prst="rect">
@@ -3616,8 +3616,8 @@
         </p:nvSpPr>
         <p:spPr>
           <a:xfrm>
-            <a:off x="643563" y="613821"/>
-            <a:ext cx="3375469" cy="5425030"/>
+            <a:off x="703619" y="613821"/>
+            <a:ext cx="3315413" cy="5425030"/>
           </a:xfrm>
           <a:prstGeom prst="rect">
             <a:avLst/>
@@ -3686,8 +3686,8 @@
         </p:nvSpPr>
         <p:spPr>
           <a:xfrm>
-            <a:off x="173722" y="964740"/>
-            <a:ext cx="9507669" cy="4926932"/>
+            <a:off x="276225" y="964740"/>
+            <a:ext cx="9454082" cy="4926932"/>
           </a:xfrm>
           <a:prstGeom prst="rect">
             <a:avLst/>
@@ -3770,7 +3770,7 @@
         </p:blipFill>
         <p:spPr>
           <a:xfrm>
-            <a:off x="173722" y="966328"/>
+            <a:off x="276225" y="966328"/>
             <a:ext cx="381000" cy="381000"/>
           </a:xfrm>
           <a:prstGeom prst="rect">
@@ -4285,7 +4285,7 @@
         </p:nvSpPr>
         <p:spPr bwMode="auto">
           <a:xfrm>
-            <a:off x="9876577" y="1466892"/>
+            <a:off x="9836808" y="3160368"/>
             <a:ext cx="1478145" cy="276999"/>
           </a:xfrm>
           <a:prstGeom prst="rect">
@@ -4446,7 +4446,7 @@
         </p:nvSpPr>
         <p:spPr bwMode="auto">
           <a:xfrm>
-            <a:off x="9367874" y="2919226"/>
+            <a:off x="9361196" y="1869547"/>
             <a:ext cx="2290762" cy="276999"/>
           </a:xfrm>
           <a:prstGeom prst="rect">
@@ -4607,7 +4607,7 @@
         </p:nvSpPr>
         <p:spPr bwMode="auto">
           <a:xfrm>
-            <a:off x="9707338" y="4203692"/>
+            <a:off x="9671720" y="4392262"/>
             <a:ext cx="1794267" cy="276999"/>
           </a:xfrm>
           <a:prstGeom prst="rect">
@@ -4768,7 +4768,7 @@
         </p:nvSpPr>
         <p:spPr bwMode="auto">
           <a:xfrm>
-            <a:off x="9536134" y="5559030"/>
+            <a:off x="9408369" y="5645765"/>
             <a:ext cx="2136673" cy="276999"/>
           </a:xfrm>
           <a:prstGeom prst="rect">
@@ -5175,7 +5175,7 @@
         </p:nvSpPr>
         <p:spPr bwMode="auto">
           <a:xfrm>
-            <a:off x="2633901" y="5441210"/>
+            <a:off x="2461693" y="5450882"/>
             <a:ext cx="1108760" cy="276999"/>
           </a:xfrm>
           <a:prstGeom prst="rect">
@@ -6445,7 +6445,7 @@
         </p:blipFill>
         <p:spPr bwMode="auto">
           <a:xfrm>
-            <a:off x="10132255" y="613819"/>
+            <a:off x="10132255" y="2363722"/>
             <a:ext cx="762000" cy="762000"/>
           </a:xfrm>
           <a:prstGeom prst="rect">
@@ -6505,7 +6505,7 @@
         </p:blipFill>
         <p:spPr bwMode="auto">
           <a:xfrm>
-            <a:off x="10199842" y="2050381"/>
+            <a:off x="10132255" y="1045598"/>
             <a:ext cx="762000" cy="762000"/>
           </a:xfrm>
           <a:prstGeom prst="rect">
@@ -6565,7 +6565,7 @@
         </p:blipFill>
         <p:spPr bwMode="auto">
           <a:xfrm>
-            <a:off x="10194881" y="3370000"/>
+            <a:off x="10128046" y="3631167"/>
             <a:ext cx="762000" cy="762000"/>
           </a:xfrm>
           <a:prstGeom prst="rect">
@@ -6625,7 +6625,7 @@
         </p:blipFill>
         <p:spPr bwMode="auto">
           <a:xfrm>
-            <a:off x="10234649" y="4697821"/>
+            <a:off x="10125577" y="4842266"/>
             <a:ext cx="762000" cy="762000"/>
           </a:xfrm>
           <a:prstGeom prst="rect">
@@ -6670,7 +6670,7 @@
         </p:nvSpPr>
         <p:spPr>
           <a:xfrm>
-            <a:off x="6500037" y="1330066"/>
+            <a:off x="6604812" y="1330066"/>
             <a:ext cx="2764457" cy="1337999"/>
           </a:xfrm>
           <a:prstGeom prst="rect">
@@ -6756,7 +6756,7 @@
         </p:blipFill>
         <p:spPr>
           <a:xfrm>
-            <a:off x="6497434" y="1331057"/>
+            <a:off x="6608904" y="1338810"/>
             <a:ext cx="381000" cy="381000"/>
           </a:xfrm>
           <a:prstGeom prst="rect">
@@ -6877,7 +6877,7 @@
         </p:nvSpPr>
         <p:spPr>
           <a:xfrm>
-            <a:off x="6504129" y="2739234"/>
+            <a:off x="6608904" y="2739234"/>
             <a:ext cx="2764457" cy="3045031"/>
           </a:xfrm>
           <a:prstGeom prst="rect">
@@ -6963,7 +6963,7 @@
         </p:blipFill>
         <p:spPr>
           <a:xfrm>
-            <a:off x="6508891" y="2737884"/>
+            <a:off x="6615553" y="2727888"/>
             <a:ext cx="381000" cy="381000"/>
           </a:xfrm>
           <a:prstGeom prst="rect">
@@ -8088,7 +8088,7 @@
         </p:nvSpPr>
         <p:spPr>
           <a:xfrm>
-            <a:off x="6236844" y="613820"/>
+            <a:off x="6341619" y="613820"/>
             <a:ext cx="3273344" cy="5425032"/>
           </a:xfrm>
           <a:prstGeom prst="rect">
@@ -8240,7 +8240,7 @@
         </p:nvSpPr>
         <p:spPr>
           <a:xfrm>
-            <a:off x="4405262" y="5441209"/>
+            <a:off x="4271587" y="5431980"/>
             <a:ext cx="1769070" cy="276999"/>
           </a:xfrm>
           <a:prstGeom prst="rect">

--- a/docs/deployment_guide/images/nvidia-chem-architecture-diagram.pptx
+++ b/docs/deployment_guide/images/nvidia-chem-architecture-diagram.pptx
@@ -259,7 +259,7 @@
           <a:p>
             <a:fld id="{10EEF6A4-9017-AA41-B724-716C121CC8DF}" type="datetimeFigureOut">
               <a:rPr lang="en-US" smtClean="0"/>
-              <a:t>4/12/2022</a:t>
+              <a:t>4/25/2022</a:t>
             </a:fld>
             <a:endParaRPr lang="en-US"/>
           </a:p>
@@ -457,7 +457,7 @@
           <a:p>
             <a:fld id="{10EEF6A4-9017-AA41-B724-716C121CC8DF}" type="datetimeFigureOut">
               <a:rPr lang="en-US" smtClean="0"/>
-              <a:t>4/12/2022</a:t>
+              <a:t>4/25/2022</a:t>
             </a:fld>
             <a:endParaRPr lang="en-US"/>
           </a:p>
@@ -665,7 +665,7 @@
           <a:p>
             <a:fld id="{10EEF6A4-9017-AA41-B724-716C121CC8DF}" type="datetimeFigureOut">
               <a:rPr lang="en-US" smtClean="0"/>
-              <a:t>4/12/2022</a:t>
+              <a:t>4/25/2022</a:t>
             </a:fld>
             <a:endParaRPr lang="en-US"/>
           </a:p>
@@ -863,7 +863,7 @@
           <a:p>
             <a:fld id="{10EEF6A4-9017-AA41-B724-716C121CC8DF}" type="datetimeFigureOut">
               <a:rPr lang="en-US" smtClean="0"/>
-              <a:t>4/12/2022</a:t>
+              <a:t>4/25/2022</a:t>
             </a:fld>
             <a:endParaRPr lang="en-US"/>
           </a:p>
@@ -1138,7 +1138,7 @@
           <a:p>
             <a:fld id="{10EEF6A4-9017-AA41-B724-716C121CC8DF}" type="datetimeFigureOut">
               <a:rPr lang="en-US" smtClean="0"/>
-              <a:t>4/12/2022</a:t>
+              <a:t>4/25/2022</a:t>
             </a:fld>
             <a:endParaRPr lang="en-US"/>
           </a:p>
@@ -1403,7 +1403,7 @@
           <a:p>
             <a:fld id="{10EEF6A4-9017-AA41-B724-716C121CC8DF}" type="datetimeFigureOut">
               <a:rPr lang="en-US" smtClean="0"/>
-              <a:t>4/12/2022</a:t>
+              <a:t>4/25/2022</a:t>
             </a:fld>
             <a:endParaRPr lang="en-US"/>
           </a:p>
@@ -1815,7 +1815,7 @@
           <a:p>
             <a:fld id="{10EEF6A4-9017-AA41-B724-716C121CC8DF}" type="datetimeFigureOut">
               <a:rPr lang="en-US" smtClean="0"/>
-              <a:t>4/12/2022</a:t>
+              <a:t>4/25/2022</a:t>
             </a:fld>
             <a:endParaRPr lang="en-US"/>
           </a:p>
@@ -1956,7 +1956,7 @@
           <a:p>
             <a:fld id="{10EEF6A4-9017-AA41-B724-716C121CC8DF}" type="datetimeFigureOut">
               <a:rPr lang="en-US" smtClean="0"/>
-              <a:t>4/12/2022</a:t>
+              <a:t>4/25/2022</a:t>
             </a:fld>
             <a:endParaRPr lang="en-US"/>
           </a:p>
@@ -2069,7 +2069,7 @@
           <a:p>
             <a:fld id="{10EEF6A4-9017-AA41-B724-716C121CC8DF}" type="datetimeFigureOut">
               <a:rPr lang="en-US" smtClean="0"/>
-              <a:t>4/12/2022</a:t>
+              <a:t>4/25/2022</a:t>
             </a:fld>
             <a:endParaRPr lang="en-US"/>
           </a:p>
@@ -2380,7 +2380,7 @@
           <a:p>
             <a:fld id="{10EEF6A4-9017-AA41-B724-716C121CC8DF}" type="datetimeFigureOut">
               <a:rPr lang="en-US" smtClean="0"/>
-              <a:t>4/12/2022</a:t>
+              <a:t>4/25/2022</a:t>
             </a:fld>
             <a:endParaRPr lang="en-US"/>
           </a:p>
@@ -2668,7 +2668,7 @@
           <a:p>
             <a:fld id="{10EEF6A4-9017-AA41-B724-716C121CC8DF}" type="datetimeFigureOut">
               <a:rPr lang="en-US" smtClean="0"/>
-              <a:t>4/12/2022</a:t>
+              <a:t>4/25/2022</a:t>
             </a:fld>
             <a:endParaRPr lang="en-US"/>
           </a:p>
@@ -2909,7 +2909,7 @@
           <a:p>
             <a:fld id="{10EEF6A4-9017-AA41-B724-716C121CC8DF}" type="datetimeFigureOut">
               <a:rPr lang="en-US" smtClean="0"/>
-              <a:t>4/12/2022</a:t>
+              <a:t>4/25/2022</a:t>
             </a:fld>
             <a:endParaRPr lang="en-US"/>
           </a:p>
@@ -4285,7 +4285,7 @@
         </p:nvSpPr>
         <p:spPr bwMode="auto">
           <a:xfrm>
-            <a:off x="9836808" y="3160368"/>
+            <a:off x="9790783" y="2984550"/>
             <a:ext cx="1478145" cy="276999"/>
           </a:xfrm>
           <a:prstGeom prst="rect">
@@ -4425,7 +4425,7 @@
                 <a:ea typeface="Amazon Ember" panose="020B0603020204020204" pitchFamily="34" charset="0"/>
                 <a:cs typeface="Arial" panose="020B0604020202020204" pitchFamily="34" charset="0"/>
               </a:rPr>
-              <a:t>AWS Cloud Map</a:t>
+              <a:t>Namespace</a:t>
             </a:r>
           </a:p>
         </p:txBody>
@@ -6418,10 +6418,10 @@
       </p:pic>
       <p:pic>
         <p:nvPicPr>
-          <p:cNvPr id="80" name="Graphic 8">
-            <a:extLst>
-              <a:ext uri="{FF2B5EF4-FFF2-40B4-BE49-F238E27FC236}">
-                <a16:creationId xmlns:a16="http://schemas.microsoft.com/office/drawing/2014/main" id="{08EA8A69-3DF0-4696-9FE3-0B221587F4E6}"/>
+          <p:cNvPr id="81" name="Graphic 18">
+            <a:extLst>
+              <a:ext uri="{FF2B5EF4-FFF2-40B4-BE49-F238E27FC236}">
+                <a16:creationId xmlns:a16="http://schemas.microsoft.com/office/drawing/2014/main" id="{06E9B06A-AED7-4833-A2FC-D840A6643AB9}"/>
               </a:ext>
             </a:extLst>
           </p:cNvPr>
@@ -6432,66 +6432,6 @@
         </p:nvPicPr>
         <p:blipFill>
           <a:blip r:embed="rId20">
-            <a:extLst>
-              <a:ext uri="{28A0092B-C50C-407E-A947-70E740481C1C}">
-                <a14:useLocalDpi xmlns:a14="http://schemas.microsoft.com/office/drawing/2010/main" val="0"/>
-              </a:ext>
-            </a:extLst>
-          </a:blip>
-          <a:srcRect/>
-          <a:stretch>
-            <a:fillRect/>
-          </a:stretch>
-        </p:blipFill>
-        <p:spPr bwMode="auto">
-          <a:xfrm>
-            <a:off x="10132255" y="2363722"/>
-            <a:ext cx="762000" cy="762000"/>
-          </a:xfrm>
-          <a:prstGeom prst="rect">
-            <a:avLst/>
-          </a:prstGeom>
-          <a:noFill/>
-          <a:ln>
-            <a:noFill/>
-          </a:ln>
-          <a:extLst>
-            <a:ext uri="{909E8E84-426E-40DD-AFC4-6F175D3DCCD1}">
-              <a14:hiddenFill xmlns:a14="http://schemas.microsoft.com/office/drawing/2010/main">
-                <a:solidFill>
-                  <a:srgbClr val="FFFFFF"/>
-                </a:solidFill>
-              </a14:hiddenFill>
-            </a:ext>
-            <a:ext uri="{91240B29-F687-4F45-9708-019B960494DF}">
-              <a14:hiddenLine xmlns:a14="http://schemas.microsoft.com/office/drawing/2010/main" w="9525">
-                <a:solidFill>
-                  <a:srgbClr val="000000"/>
-                </a:solidFill>
-                <a:miter lim="800000"/>
-                <a:headEnd/>
-                <a:tailEnd/>
-              </a14:hiddenLine>
-            </a:ext>
-          </a:extLst>
-        </p:spPr>
-      </p:pic>
-      <p:pic>
-        <p:nvPicPr>
-          <p:cNvPr id="81" name="Graphic 18">
-            <a:extLst>
-              <a:ext uri="{FF2B5EF4-FFF2-40B4-BE49-F238E27FC236}">
-                <a16:creationId xmlns:a16="http://schemas.microsoft.com/office/drawing/2014/main" id="{06E9B06A-AED7-4833-A2FC-D840A6643AB9}"/>
-              </a:ext>
-            </a:extLst>
-          </p:cNvPr>
-          <p:cNvPicPr>
-            <a:picLocks noChangeAspect="1" noChangeArrowheads="1"/>
-          </p:cNvPicPr>
-          <p:nvPr/>
-        </p:nvPicPr>
-        <p:blipFill>
-          <a:blip r:embed="rId21">
             <a:extLst>
               <a:ext uri="{28A0092B-C50C-407E-A947-70E740481C1C}">
                 <a14:useLocalDpi xmlns:a14="http://schemas.microsoft.com/office/drawing/2010/main" val="0"/>
@@ -6551,7 +6491,7 @@
           <p:nvPr/>
         </p:nvPicPr>
         <p:blipFill>
-          <a:blip r:embed="rId22">
+          <a:blip r:embed="rId21">
             <a:extLst>
               <a:ext uri="{28A0092B-C50C-407E-A947-70E740481C1C}">
                 <a14:useLocalDpi xmlns:a14="http://schemas.microsoft.com/office/drawing/2010/main" val="0"/>
@@ -6611,7 +6551,7 @@
           <p:nvPr/>
         </p:nvPicPr>
         <p:blipFill>
-          <a:blip r:embed="rId23">
+          <a:blip r:embed="rId22">
             <a:extLst>
               <a:ext uri="{28A0092B-C50C-407E-A947-70E740481C1C}">
                 <a14:useLocalDpi xmlns:a14="http://schemas.microsoft.com/office/drawing/2010/main" val="0"/>
@@ -8201,7 +8141,46 @@
         </p:nvSpPr>
         <p:spPr>
           <a:xfrm>
-            <a:off x="4315666" y="4572876"/>
+            <a:off x="4267831" y="4561517"/>
+            <a:ext cx="1897968" cy="276999"/>
+          </a:xfrm>
+          <a:prstGeom prst="rect">
+            <a:avLst/>
+          </a:prstGeom>
+          <a:noFill/>
+        </p:spPr>
+        <p:txBody>
+          <a:bodyPr wrap="square" rtlCol="0">
+            <a:spAutoFit/>
+          </a:bodyPr>
+          <a:lstStyle/>
+          <a:p>
+            <a:pPr algn="ctr"/>
+            <a:r>
+              <a:rPr lang="en-US" sz="1200" dirty="0">
+                <a:latin typeface="Arial" panose="020B0604020202020204" pitchFamily="34" charset="0"/>
+                <a:cs typeface="Arial" panose="020B0604020202020204" pitchFamily="34" charset="0"/>
+              </a:rPr>
+              <a:t>Cheminformatics service</a:t>
+            </a:r>
+          </a:p>
+        </p:txBody>
+      </p:sp>
+      <p:sp>
+        <p:nvSpPr>
+          <p:cNvPr id="104" name="TextBox 103">
+            <a:extLst>
+              <a:ext uri="{FF2B5EF4-FFF2-40B4-BE49-F238E27FC236}">
+                <a16:creationId xmlns:a16="http://schemas.microsoft.com/office/drawing/2014/main" id="{59C5F3E1-ECC3-41A0-B580-B2DA0B3DBEBA}"/>
+              </a:ext>
+            </a:extLst>
+          </p:cNvPr>
+          <p:cNvSpPr txBox="1"/>
+          <p:nvPr/>
+        </p:nvSpPr>
+        <p:spPr>
+          <a:xfrm>
+            <a:off x="4376319" y="5424749"/>
             <a:ext cx="1769070" cy="276999"/>
           </a:xfrm>
           <a:prstGeom prst="rect">
@@ -8215,58 +8194,79 @@
           </a:bodyPr>
           <a:lstStyle/>
           <a:p>
-            <a:pPr algn="ctr"/>
+            <a:pPr algn="ctr">
+              <a:defRPr/>
+            </a:pPr>
             <a:r>
               <a:rPr lang="en-US" sz="1200" dirty="0">
                 <a:latin typeface="Arial" panose="020B0604020202020204" pitchFamily="34" charset="0"/>
                 <a:cs typeface="Arial" panose="020B0604020202020204" pitchFamily="34" charset="0"/>
               </a:rPr>
-              <a:t>CuChem service</a:t>
-            </a:r>
-          </a:p>
-        </p:txBody>
-      </p:sp>
-      <p:sp>
-        <p:nvSpPr>
-          <p:cNvPr id="104" name="TextBox 103">
-            <a:extLst>
-              <a:ext uri="{FF2B5EF4-FFF2-40B4-BE49-F238E27FC236}">
-                <a16:creationId xmlns:a16="http://schemas.microsoft.com/office/drawing/2014/main" id="{59C5F3E1-ECC3-41A0-B580-B2DA0B3DBEBA}"/>
-              </a:ext>
-            </a:extLst>
-          </p:cNvPr>
-          <p:cNvSpPr txBox="1"/>
+              <a:t>MegaMolBART service</a:t>
+            </a:r>
+          </a:p>
+        </p:txBody>
+      </p:sp>
+      <p:pic>
+        <p:nvPicPr>
+          <p:cNvPr id="61" name="Graphic 35">
+            <a:extLst>
+              <a:ext uri="{FF2B5EF4-FFF2-40B4-BE49-F238E27FC236}">
+                <a16:creationId xmlns:a16="http://schemas.microsoft.com/office/drawing/2014/main" id="{10DF65A5-308B-45C8-A0AA-FA719F686C7A}"/>
+              </a:ext>
+            </a:extLst>
+          </p:cNvPr>
+          <p:cNvPicPr>
+            <a:picLocks noChangeAspect="1" noChangeArrowheads="1"/>
+          </p:cNvPicPr>
           <p:nvPr/>
-        </p:nvSpPr>
-        <p:spPr>
+        </p:nvPicPr>
+        <p:blipFill>
+          <a:blip r:embed="rId23">
+            <a:extLst>
+              <a:ext uri="{28A0092B-C50C-407E-A947-70E740481C1C}">
+                <a14:useLocalDpi xmlns:a14="http://schemas.microsoft.com/office/drawing/2010/main" val="0"/>
+              </a:ext>
+            </a:extLst>
+          </a:blip>
+          <a:srcRect/>
+          <a:stretch>
+            <a:fillRect/>
+          </a:stretch>
+        </p:blipFill>
+        <p:spPr bwMode="auto">
           <a:xfrm>
-            <a:off x="4271587" y="5431980"/>
-            <a:ext cx="1769070" cy="276999"/>
+            <a:off x="10277977" y="2457115"/>
+            <a:ext cx="457200" cy="457200"/>
           </a:xfrm>
           <a:prstGeom prst="rect">
             <a:avLst/>
           </a:prstGeom>
           <a:noFill/>
+          <a:ln>
+            <a:noFill/>
+          </a:ln>
+          <a:extLst>
+            <a:ext uri="{909E8E84-426E-40DD-AFC4-6F175D3DCCD1}">
+              <a14:hiddenFill xmlns:a14="http://schemas.microsoft.com/office/drawing/2010/main">
+                <a:solidFill>
+                  <a:srgbClr val="FFFFFF"/>
+                </a:solidFill>
+              </a14:hiddenFill>
+            </a:ext>
+            <a:ext uri="{91240B29-F687-4F45-9708-019B960494DF}">
+              <a14:hiddenLine xmlns:a14="http://schemas.microsoft.com/office/drawing/2010/main" w="9525">
+                <a:solidFill>
+                  <a:srgbClr val="000000"/>
+                </a:solidFill>
+                <a:miter lim="800000"/>
+                <a:headEnd/>
+                <a:tailEnd/>
+              </a14:hiddenLine>
+            </a:ext>
+          </a:extLst>
         </p:spPr>
-        <p:txBody>
-          <a:bodyPr wrap="square" rtlCol="0">
-            <a:spAutoFit/>
-          </a:bodyPr>
-          <a:lstStyle/>
-          <a:p>
-            <a:pPr algn="ctr">
-              <a:defRPr/>
-            </a:pPr>
-            <a:r>
-              <a:rPr lang="en-US" sz="1200" dirty="0">
-                <a:latin typeface="Arial" panose="020B0604020202020204" pitchFamily="34" charset="0"/>
-                <a:cs typeface="Arial" panose="020B0604020202020204" pitchFamily="34" charset="0"/>
-              </a:rPr>
-              <a:t>Megamolbart service</a:t>
-            </a:r>
-          </a:p>
-        </p:txBody>
-      </p:sp>
+      </p:pic>
     </p:spTree>
     <p:extLst>
       <p:ext uri="{BB962C8B-B14F-4D97-AF65-F5344CB8AC3E}">

--- a/docs/deployment_guide/images/nvidia-chem-architecture-diagram.pptx
+++ b/docs/deployment_guide/images/nvidia-chem-architecture-diagram.pptx
@@ -259,7 +259,7 @@
           <a:p>
             <a:fld id="{10EEF6A4-9017-AA41-B724-716C121CC8DF}" type="datetimeFigureOut">
               <a:rPr lang="en-US" smtClean="0"/>
-              <a:t>4/25/2022</a:t>
+              <a:t>6/17/2022</a:t>
             </a:fld>
             <a:endParaRPr lang="en-US"/>
           </a:p>
@@ -457,7 +457,7 @@
           <a:p>
             <a:fld id="{10EEF6A4-9017-AA41-B724-716C121CC8DF}" type="datetimeFigureOut">
               <a:rPr lang="en-US" smtClean="0"/>
-              <a:t>4/25/2022</a:t>
+              <a:t>6/17/2022</a:t>
             </a:fld>
             <a:endParaRPr lang="en-US"/>
           </a:p>
@@ -665,7 +665,7 @@
           <a:p>
             <a:fld id="{10EEF6A4-9017-AA41-B724-716C121CC8DF}" type="datetimeFigureOut">
               <a:rPr lang="en-US" smtClean="0"/>
-              <a:t>4/25/2022</a:t>
+              <a:t>6/17/2022</a:t>
             </a:fld>
             <a:endParaRPr lang="en-US"/>
           </a:p>
@@ -863,7 +863,7 @@
           <a:p>
             <a:fld id="{10EEF6A4-9017-AA41-B724-716C121CC8DF}" type="datetimeFigureOut">
               <a:rPr lang="en-US" smtClean="0"/>
-              <a:t>4/25/2022</a:t>
+              <a:t>6/17/2022</a:t>
             </a:fld>
             <a:endParaRPr lang="en-US"/>
           </a:p>
@@ -1138,7 +1138,7 @@
           <a:p>
             <a:fld id="{10EEF6A4-9017-AA41-B724-716C121CC8DF}" type="datetimeFigureOut">
               <a:rPr lang="en-US" smtClean="0"/>
-              <a:t>4/25/2022</a:t>
+              <a:t>6/17/2022</a:t>
             </a:fld>
             <a:endParaRPr lang="en-US"/>
           </a:p>
@@ -1403,7 +1403,7 @@
           <a:p>
             <a:fld id="{10EEF6A4-9017-AA41-B724-716C121CC8DF}" type="datetimeFigureOut">
               <a:rPr lang="en-US" smtClean="0"/>
-              <a:t>4/25/2022</a:t>
+              <a:t>6/17/2022</a:t>
             </a:fld>
             <a:endParaRPr lang="en-US"/>
           </a:p>
@@ -1815,7 +1815,7 @@
           <a:p>
             <a:fld id="{10EEF6A4-9017-AA41-B724-716C121CC8DF}" type="datetimeFigureOut">
               <a:rPr lang="en-US" smtClean="0"/>
-              <a:t>4/25/2022</a:t>
+              <a:t>6/17/2022</a:t>
             </a:fld>
             <a:endParaRPr lang="en-US"/>
           </a:p>
@@ -1956,7 +1956,7 @@
           <a:p>
             <a:fld id="{10EEF6A4-9017-AA41-B724-716C121CC8DF}" type="datetimeFigureOut">
               <a:rPr lang="en-US" smtClean="0"/>
-              <a:t>4/25/2022</a:t>
+              <a:t>6/17/2022</a:t>
             </a:fld>
             <a:endParaRPr lang="en-US"/>
           </a:p>
@@ -2069,7 +2069,7 @@
           <a:p>
             <a:fld id="{10EEF6A4-9017-AA41-B724-716C121CC8DF}" type="datetimeFigureOut">
               <a:rPr lang="en-US" smtClean="0"/>
-              <a:t>4/25/2022</a:t>
+              <a:t>6/17/2022</a:t>
             </a:fld>
             <a:endParaRPr lang="en-US"/>
           </a:p>
@@ -2380,7 +2380,7 @@
           <a:p>
             <a:fld id="{10EEF6A4-9017-AA41-B724-716C121CC8DF}" type="datetimeFigureOut">
               <a:rPr lang="en-US" smtClean="0"/>
-              <a:t>4/25/2022</a:t>
+              <a:t>6/17/2022</a:t>
             </a:fld>
             <a:endParaRPr lang="en-US"/>
           </a:p>
@@ -2668,7 +2668,7 @@
           <a:p>
             <a:fld id="{10EEF6A4-9017-AA41-B724-716C121CC8DF}" type="datetimeFigureOut">
               <a:rPr lang="en-US" smtClean="0"/>
-              <a:t>4/25/2022</a:t>
+              <a:t>6/17/2022</a:t>
             </a:fld>
             <a:endParaRPr lang="en-US"/>
           </a:p>
@@ -2909,7 +2909,7 @@
           <a:p>
             <a:fld id="{10EEF6A4-9017-AA41-B724-716C121CC8DF}" type="datetimeFigureOut">
               <a:rPr lang="en-US" smtClean="0"/>
-              <a:t>4/25/2022</a:t>
+              <a:t>6/17/2022</a:t>
             </a:fld>
             <a:endParaRPr lang="en-US"/>
           </a:p>
@@ -3498,112 +3498,6 @@
       </p:sp>
       <p:sp>
         <p:nvSpPr>
-          <p:cNvPr id="4" name="Rectangle 3">
-            <a:extLst>
-              <a:ext uri="{FF2B5EF4-FFF2-40B4-BE49-F238E27FC236}">
-                <a16:creationId xmlns:a16="http://schemas.microsoft.com/office/drawing/2014/main" id="{0BDFC323-36D2-7F4C-A5F8-E19E6A005086}"/>
-              </a:ext>
-            </a:extLst>
-          </p:cNvPr>
-          <p:cNvSpPr/>
-          <p:nvPr/>
-        </p:nvSpPr>
-        <p:spPr>
-          <a:xfrm>
-            <a:off x="84881" y="92597"/>
-            <a:ext cx="11297494" cy="6151582"/>
-          </a:xfrm>
-          <a:prstGeom prst="rect">
-            <a:avLst/>
-          </a:prstGeom>
-          <a:noFill/>
-          <a:ln w="12700">
-            <a:solidFill>
-              <a:srgbClr val="5B9CD5"/>
-            </a:solidFill>
-            <a:prstDash val="sysDash"/>
-          </a:ln>
-        </p:spPr>
-        <p:style>
-          <a:lnRef idx="2">
-            <a:schemeClr val="accent1">
-              <a:shade val="50000"/>
-            </a:schemeClr>
-          </a:lnRef>
-          <a:fillRef idx="1">
-            <a:schemeClr val="accent1"/>
-          </a:fillRef>
-          <a:effectRef idx="0">
-            <a:schemeClr val="accent1"/>
-          </a:effectRef>
-          <a:fontRef idx="minor">
-            <a:schemeClr val="lt1"/>
-          </a:fontRef>
-        </p:style>
-        <p:txBody>
-          <a:bodyPr lIns="502920" tIns="91440"/>
-          <a:lstStyle/>
-          <a:p>
-            <a:pPr eaLnBrk="1" fontAlgn="auto" hangingPunct="1">
-              <a:spcBef>
-                <a:spcPts val="0"/>
-              </a:spcBef>
-              <a:spcAft>
-                <a:spcPts val="0"/>
-              </a:spcAft>
-              <a:defRPr/>
-            </a:pPr>
-            <a:r>
-              <a:rPr lang="en-US" sz="1200" dirty="0">
-                <a:solidFill>
-                  <a:srgbClr val="5B9CD5"/>
-                </a:solidFill>
-                <a:latin typeface="Arial" panose="020B0604020202020204" pitchFamily="34" charset="0"/>
-                <a:cs typeface="Arial" panose="020B0604020202020204" pitchFamily="34" charset="0"/>
-              </a:rPr>
-              <a:t>Region</a:t>
-            </a:r>
-          </a:p>
-        </p:txBody>
-      </p:sp>
-      <p:pic>
-        <p:nvPicPr>
-          <p:cNvPr id="5" name="Graphic 4">
-            <a:extLst>
-              <a:ext uri="{FF2B5EF4-FFF2-40B4-BE49-F238E27FC236}">
-                <a16:creationId xmlns:a16="http://schemas.microsoft.com/office/drawing/2014/main" id="{4115E2BF-9026-E84B-99EB-FBF1AB0A2866}"/>
-              </a:ext>
-            </a:extLst>
-          </p:cNvPr>
-          <p:cNvPicPr>
-            <a:picLocks noChangeAspect="1"/>
-          </p:cNvPicPr>
-          <p:nvPr/>
-        </p:nvPicPr>
-        <p:blipFill>
-          <a:blip r:embed="rId2">
-            <a:extLst>
-              <a:ext uri="{96DAC541-7B7A-43D3-8B79-37D633B846F1}">
-                <asvg:svgBlip xmlns:asvg="http://schemas.microsoft.com/office/drawing/2016/SVG/main" r:embed="rId3"/>
-              </a:ext>
-            </a:extLst>
-          </a:blip>
-          <a:stretch>
-            <a:fillRect/>
-          </a:stretch>
-        </p:blipFill>
-        <p:spPr>
-          <a:xfrm>
-            <a:off x="84881" y="92597"/>
-            <a:ext cx="381000" cy="381000"/>
-          </a:xfrm>
-          <a:prstGeom prst="rect">
-            <a:avLst/>
-          </a:prstGeom>
-        </p:spPr>
-      </p:pic>
-      <p:sp>
-        <p:nvSpPr>
           <p:cNvPr id="6" name="Rectangle 5">
             <a:extLst>
               <a:ext uri="{FF2B5EF4-FFF2-40B4-BE49-F238E27FC236}">
@@ -3757,10 +3651,10 @@
           <p:nvPr/>
         </p:nvPicPr>
         <p:blipFill>
-          <a:blip r:embed="rId4">
+          <a:blip r:embed="rId2">
             <a:extLst>
               <a:ext uri="{96DAC541-7B7A-43D3-8B79-37D633B846F1}">
-                <asvg:svgBlip xmlns:asvg="http://schemas.microsoft.com/office/drawing/2016/SVG/main" r:embed="rId5"/>
+                <asvg:svgBlip xmlns:asvg="http://schemas.microsoft.com/office/drawing/2016/SVG/main" r:embed="rId3"/>
               </a:ext>
             </a:extLst>
           </a:blip>
@@ -3865,10 +3759,10 @@
           <p:nvPr/>
         </p:nvPicPr>
         <p:blipFill>
-          <a:blip r:embed="rId6">
+          <a:blip r:embed="rId4">
             <a:extLst>
               <a:ext uri="{96DAC541-7B7A-43D3-8B79-37D633B846F1}">
-                <asvg:svgBlip xmlns:asvg="http://schemas.microsoft.com/office/drawing/2016/SVG/main" r:embed="rId7"/>
+                <asvg:svgBlip xmlns:asvg="http://schemas.microsoft.com/office/drawing/2016/SVG/main" r:embed="rId5"/>
               </a:ext>
             </a:extLst>
           </a:blip>
@@ -3973,10 +3867,10 @@
           <p:nvPr/>
         </p:nvPicPr>
         <p:blipFill>
-          <a:blip r:embed="rId8">
+          <a:blip r:embed="rId6">
             <a:extLst>
               <a:ext uri="{96DAC541-7B7A-43D3-8B79-37D633B846F1}">
-                <asvg:svgBlip xmlns:asvg="http://schemas.microsoft.com/office/drawing/2016/SVG/main" r:embed="rId9"/>
+                <asvg:svgBlip xmlns:asvg="http://schemas.microsoft.com/office/drawing/2016/SVG/main" r:embed="rId7"/>
               </a:ext>
             </a:extLst>
           </a:blip>
@@ -4009,10 +3903,10 @@
           <p:nvPr/>
         </p:nvPicPr>
         <p:blipFill>
-          <a:blip r:embed="rId10">
+          <a:blip r:embed="rId8">
             <a:extLst>
               <a:ext uri="{96DAC541-7B7A-43D3-8B79-37D633B846F1}">
-                <asvg:svgBlip xmlns:asvg="http://schemas.microsoft.com/office/drawing/2016/SVG/main" r:embed="rId11"/>
+                <asvg:svgBlip xmlns:asvg="http://schemas.microsoft.com/office/drawing/2016/SVG/main" r:embed="rId9"/>
               </a:ext>
             </a:extLst>
           </a:blip>
@@ -5833,7 +5727,7 @@
           <p:nvPr/>
         </p:nvPicPr>
         <p:blipFill>
-          <a:blip r:embed="rId12">
+          <a:blip r:embed="rId10">
             <a:extLst>
               <a:ext uri="{28A0092B-C50C-407E-A947-70E740481C1C}">
                 <a14:useLocalDpi xmlns:a14="http://schemas.microsoft.com/office/drawing/2010/main" val="0"/>
@@ -5893,7 +5787,7 @@
           <p:nvPr/>
         </p:nvPicPr>
         <p:blipFill>
-          <a:blip r:embed="rId13">
+          <a:blip r:embed="rId11">
             <a:extLst>
               <a:ext uri="{28A0092B-C50C-407E-A947-70E740481C1C}">
                 <a14:useLocalDpi xmlns:a14="http://schemas.microsoft.com/office/drawing/2010/main" val="0"/>
@@ -5953,7 +5847,7 @@
           <p:nvPr/>
         </p:nvPicPr>
         <p:blipFill>
-          <a:blip r:embed="rId14">
+          <a:blip r:embed="rId12">
             <a:extLst>
               <a:ext uri="{28A0092B-C50C-407E-A947-70E740481C1C}">
                 <a14:useLocalDpi xmlns:a14="http://schemas.microsoft.com/office/drawing/2010/main" val="0"/>
@@ -6013,10 +5907,10 @@
           <p:nvPr/>
         </p:nvPicPr>
         <p:blipFill>
-          <a:blip r:embed="rId15">
+          <a:blip r:embed="rId13">
             <a:extLst>
               <a:ext uri="{96DAC541-7B7A-43D3-8B79-37D633B846F1}">
-                <asvg:svgBlip xmlns:asvg="http://schemas.microsoft.com/office/drawing/2016/SVG/main" r:embed="rId16"/>
+                <asvg:svgBlip xmlns:asvg="http://schemas.microsoft.com/office/drawing/2016/SVG/main" r:embed="rId14"/>
               </a:ext>
             </a:extLst>
           </a:blip>
@@ -6071,7 +5965,7 @@
           <p:nvPr/>
         </p:nvPicPr>
         <p:blipFill>
-          <a:blip r:embed="rId17">
+          <a:blip r:embed="rId15">
             <a:extLst>
               <a:ext uri="{28A0092B-C50C-407E-A947-70E740481C1C}">
                 <a14:useLocalDpi xmlns:a14="http://schemas.microsoft.com/office/drawing/2010/main" val="0"/>
@@ -6131,7 +6025,7 @@
           <p:nvPr/>
         </p:nvPicPr>
         <p:blipFill>
-          <a:blip r:embed="rId17">
+          <a:blip r:embed="rId15">
             <a:extLst>
               <a:ext uri="{28A0092B-C50C-407E-A947-70E740481C1C}">
                 <a14:useLocalDpi xmlns:a14="http://schemas.microsoft.com/office/drawing/2010/main" val="0"/>
@@ -6191,7 +6085,7 @@
           <p:nvPr/>
         </p:nvPicPr>
         <p:blipFill>
-          <a:blip r:embed="rId18">
+          <a:blip r:embed="rId16">
             <a:extLst>
               <a:ext uri="{28A0092B-C50C-407E-A947-70E740481C1C}">
                 <a14:useLocalDpi xmlns:a14="http://schemas.microsoft.com/office/drawing/2010/main" val="0"/>
@@ -6251,7 +6145,7 @@
           <p:nvPr/>
         </p:nvPicPr>
         <p:blipFill>
-          <a:blip r:embed="rId18">
+          <a:blip r:embed="rId16">
             <a:extLst>
               <a:ext uri="{28A0092B-C50C-407E-A947-70E740481C1C}">
                 <a14:useLocalDpi xmlns:a14="http://schemas.microsoft.com/office/drawing/2010/main" val="0"/>
@@ -6311,7 +6205,7 @@
           <p:nvPr/>
         </p:nvPicPr>
         <p:blipFill>
-          <a:blip r:embed="rId19">
+          <a:blip r:embed="rId17">
             <a:extLst>
               <a:ext uri="{28A0092B-C50C-407E-A947-70E740481C1C}">
                 <a14:useLocalDpi xmlns:a14="http://schemas.microsoft.com/office/drawing/2010/main" val="0"/>
@@ -6371,7 +6265,7 @@
           <p:nvPr/>
         </p:nvPicPr>
         <p:blipFill>
-          <a:blip r:embed="rId19">
+          <a:blip r:embed="rId17">
             <a:extLst>
               <a:ext uri="{28A0092B-C50C-407E-A947-70E740481C1C}">
                 <a14:useLocalDpi xmlns:a14="http://schemas.microsoft.com/office/drawing/2010/main" val="0"/>
@@ -6431,7 +6325,7 @@
           <p:nvPr/>
         </p:nvPicPr>
         <p:blipFill>
-          <a:blip r:embed="rId20">
+          <a:blip r:embed="rId18">
             <a:extLst>
               <a:ext uri="{28A0092B-C50C-407E-A947-70E740481C1C}">
                 <a14:useLocalDpi xmlns:a14="http://schemas.microsoft.com/office/drawing/2010/main" val="0"/>
@@ -6491,7 +6385,7 @@
           <p:nvPr/>
         </p:nvPicPr>
         <p:blipFill>
-          <a:blip r:embed="rId21">
+          <a:blip r:embed="rId19">
             <a:extLst>
               <a:ext uri="{28A0092B-C50C-407E-A947-70E740481C1C}">
                 <a14:useLocalDpi xmlns:a14="http://schemas.microsoft.com/office/drawing/2010/main" val="0"/>
@@ -6551,7 +6445,7 @@
           <p:nvPr/>
         </p:nvPicPr>
         <p:blipFill>
-          <a:blip r:embed="rId22">
+          <a:blip r:embed="rId20">
             <a:extLst>
               <a:ext uri="{28A0092B-C50C-407E-A947-70E740481C1C}">
                 <a14:useLocalDpi xmlns:a14="http://schemas.microsoft.com/office/drawing/2010/main" val="0"/>
@@ -6683,10 +6577,10 @@
           <p:nvPr/>
         </p:nvPicPr>
         <p:blipFill>
-          <a:blip r:embed="rId6">
+          <a:blip r:embed="rId4">
             <a:extLst>
               <a:ext uri="{96DAC541-7B7A-43D3-8B79-37D633B846F1}">
-                <asvg:svgBlip xmlns:asvg="http://schemas.microsoft.com/office/drawing/2016/SVG/main" r:embed="rId7"/>
+                <asvg:svgBlip xmlns:asvg="http://schemas.microsoft.com/office/drawing/2016/SVG/main" r:embed="rId5"/>
               </a:ext>
             </a:extLst>
           </a:blip>
@@ -6758,7 +6652,7 @@
           <p:nvPr/>
         </p:nvPicPr>
         <p:blipFill>
-          <a:blip r:embed="rId12">
+          <a:blip r:embed="rId10">
             <a:extLst>
               <a:ext uri="{28A0092B-C50C-407E-A947-70E740481C1C}">
                 <a14:useLocalDpi xmlns:a14="http://schemas.microsoft.com/office/drawing/2010/main" val="0"/>
@@ -6890,10 +6784,10 @@
           <p:nvPr/>
         </p:nvPicPr>
         <p:blipFill>
-          <a:blip r:embed="rId8">
+          <a:blip r:embed="rId6">
             <a:extLst>
               <a:ext uri="{96DAC541-7B7A-43D3-8B79-37D633B846F1}">
-                <asvg:svgBlip xmlns:asvg="http://schemas.microsoft.com/office/drawing/2016/SVG/main" r:embed="rId9"/>
+                <asvg:svgBlip xmlns:asvg="http://schemas.microsoft.com/office/drawing/2016/SVG/main" r:embed="rId7"/>
               </a:ext>
             </a:extLst>
           </a:blip>
@@ -7731,10 +7625,10 @@
           <p:nvPr/>
         </p:nvPicPr>
         <p:blipFill>
-          <a:blip r:embed="rId15">
+          <a:blip r:embed="rId13">
             <a:extLst>
               <a:ext uri="{96DAC541-7B7A-43D3-8B79-37D633B846F1}">
-                <asvg:svgBlip xmlns:asvg="http://schemas.microsoft.com/office/drawing/2016/SVG/main" r:embed="rId16"/>
+                <asvg:svgBlip xmlns:asvg="http://schemas.microsoft.com/office/drawing/2016/SVG/main" r:embed="rId14"/>
               </a:ext>
             </a:extLst>
           </a:blip>
@@ -7789,7 +7683,7 @@
           <p:nvPr/>
         </p:nvPicPr>
         <p:blipFill>
-          <a:blip r:embed="rId17">
+          <a:blip r:embed="rId15">
             <a:extLst>
               <a:ext uri="{28A0092B-C50C-407E-A947-70E740481C1C}">
                 <a14:useLocalDpi xmlns:a14="http://schemas.microsoft.com/office/drawing/2010/main" val="0"/>
@@ -7849,7 +7743,7 @@
           <p:nvPr/>
         </p:nvPicPr>
         <p:blipFill>
-          <a:blip r:embed="rId17">
+          <a:blip r:embed="rId15">
             <a:extLst>
               <a:ext uri="{28A0092B-C50C-407E-A947-70E740481C1C}">
                 <a14:useLocalDpi xmlns:a14="http://schemas.microsoft.com/office/drawing/2010/main" val="0"/>
@@ -7909,7 +7803,7 @@
           <p:nvPr/>
         </p:nvPicPr>
         <p:blipFill>
-          <a:blip r:embed="rId18">
+          <a:blip r:embed="rId16">
             <a:extLst>
               <a:ext uri="{28A0092B-C50C-407E-A947-70E740481C1C}">
                 <a14:useLocalDpi xmlns:a14="http://schemas.microsoft.com/office/drawing/2010/main" val="0"/>
@@ -7969,7 +7863,7 @@
           <p:nvPr/>
         </p:nvPicPr>
         <p:blipFill>
-          <a:blip r:embed="rId18">
+          <a:blip r:embed="rId16">
             <a:extLst>
               <a:ext uri="{28A0092B-C50C-407E-A947-70E740481C1C}">
                 <a14:useLocalDpi xmlns:a14="http://schemas.microsoft.com/office/drawing/2010/main" val="0"/>
@@ -8222,7 +8116,7 @@
           <p:nvPr/>
         </p:nvPicPr>
         <p:blipFill>
-          <a:blip r:embed="rId23">
+          <a:blip r:embed="rId21">
             <a:extLst>
               <a:ext uri="{28A0092B-C50C-407E-A947-70E740481C1C}">
                 <a14:useLocalDpi xmlns:a14="http://schemas.microsoft.com/office/drawing/2010/main" val="0"/>
@@ -8265,6 +8159,110 @@
               </a14:hiddenLine>
             </a:ext>
           </a:extLst>
+        </p:spPr>
+      </p:pic>
+      <p:sp>
+        <p:nvSpPr>
+          <p:cNvPr id="63" name="Rectangle 62">
+            <a:extLst>
+              <a:ext uri="{FF2B5EF4-FFF2-40B4-BE49-F238E27FC236}">
+                <a16:creationId xmlns:a16="http://schemas.microsoft.com/office/drawing/2014/main" id="{2B1388E6-F617-42B7-AAC1-8CDB219B53F9}"/>
+              </a:ext>
+            </a:extLst>
+          </p:cNvPr>
+          <p:cNvSpPr/>
+          <p:nvPr/>
+        </p:nvSpPr>
+        <p:spPr bwMode="auto">
+          <a:xfrm>
+            <a:off x="116897" y="188272"/>
+            <a:ext cx="11349090" cy="5975610"/>
+          </a:xfrm>
+          <a:prstGeom prst="rect">
+            <a:avLst/>
+          </a:prstGeom>
+          <a:noFill/>
+          <a:ln w="12700">
+            <a:solidFill>
+              <a:schemeClr val="tx1"/>
+            </a:solidFill>
+          </a:ln>
+        </p:spPr>
+        <p:style>
+          <a:lnRef idx="2">
+            <a:schemeClr val="accent1">
+              <a:shade val="50000"/>
+            </a:schemeClr>
+          </a:lnRef>
+          <a:fillRef idx="1">
+            <a:schemeClr val="accent1"/>
+          </a:fillRef>
+          <a:effectRef idx="0">
+            <a:schemeClr val="accent1"/>
+          </a:effectRef>
+          <a:fontRef idx="minor">
+            <a:schemeClr val="lt1"/>
+          </a:fontRef>
+        </p:style>
+        <p:txBody>
+          <a:bodyPr lIns="502920" tIns="91440"/>
+          <a:lstStyle/>
+          <a:p>
+            <a:pPr eaLnBrk="1" fontAlgn="auto" hangingPunct="1">
+              <a:spcBef>
+                <a:spcPts val="0"/>
+              </a:spcBef>
+              <a:spcAft>
+                <a:spcPts val="0"/>
+              </a:spcAft>
+              <a:defRPr/>
+            </a:pPr>
+            <a:r>
+              <a:rPr lang="en-US" sz="1200" dirty="0">
+                <a:solidFill>
+                  <a:sysClr val="windowText" lastClr="000000"/>
+                </a:solidFill>
+                <a:latin typeface="Arial" panose="020B0604020202020204" pitchFamily="34" charset="0"/>
+                <a:cs typeface="Arial" panose="020B0604020202020204" pitchFamily="34" charset="0"/>
+              </a:rPr>
+              <a:t>AWS Cloud</a:t>
+            </a:r>
+          </a:p>
+        </p:txBody>
+      </p:sp>
+      <p:pic>
+        <p:nvPicPr>
+          <p:cNvPr id="69" name="Graphic 68">
+            <a:extLst>
+              <a:ext uri="{FF2B5EF4-FFF2-40B4-BE49-F238E27FC236}">
+                <a16:creationId xmlns:a16="http://schemas.microsoft.com/office/drawing/2014/main" id="{01D144EF-D3BE-4EDB-BB5D-FC4C23BB595C}"/>
+              </a:ext>
+            </a:extLst>
+          </p:cNvPr>
+          <p:cNvPicPr>
+            <a:picLocks noChangeAspect="1"/>
+          </p:cNvPicPr>
+          <p:nvPr/>
+        </p:nvPicPr>
+        <p:blipFill>
+          <a:blip r:embed="rId22">
+            <a:extLst>
+              <a:ext uri="{96DAC541-7B7A-43D3-8B79-37D633B846F1}">
+                <asvg:svgBlip xmlns:asvg="http://schemas.microsoft.com/office/drawing/2016/SVG/main" r:embed="rId23"/>
+              </a:ext>
+            </a:extLst>
+          </a:blip>
+          <a:srcRect/>
+          <a:stretch/>
+        </p:blipFill>
+        <p:spPr>
+          <a:xfrm>
+            <a:off x="116897" y="188272"/>
+            <a:ext cx="381000" cy="381000"/>
+          </a:xfrm>
+          <a:prstGeom prst="rect">
+            <a:avLst/>
+          </a:prstGeom>
         </p:spPr>
       </p:pic>
     </p:spTree>
